--- a/Toxy Framework.pptx
+++ b/Toxy Framework.pptx
@@ -321,7 +321,7 @@
           <a:p>
             <a:fld id="{ECD19FB2-3AAB-4D03-B13A-2960828C78E3}" type="datetimeFigureOut">
               <a:rPr lang="en-US" dirty="0"/>
-              <a:t>3/15/2015</a:t>
+              <a:t>3/17/2015</a:t>
             </a:fld>
             <a:endParaRPr lang="en-US" dirty="0"/>
           </a:p>
@@ -602,7 +602,7 @@
           <a:p>
             <a:fld id="{1B80C674-7DFC-42FE-B9CD-82963CDB1557}" type="datetimeFigureOut">
               <a:rPr lang="en-US" dirty="0"/>
-              <a:t>3/15/2015</a:t>
+              <a:t>3/17/2015</a:t>
             </a:fld>
             <a:endParaRPr lang="en-US" dirty="0"/>
           </a:p>
@@ -793,7 +793,7 @@
           <a:p>
             <a:fld id="{2076456F-F47D-4F25-8053-2A695DA0CA7D}" type="datetimeFigureOut">
               <a:rPr lang="en-US" dirty="0"/>
-              <a:t>3/15/2015</a:t>
+              <a:t>3/17/2015</a:t>
             </a:fld>
             <a:endParaRPr lang="en-US" dirty="0"/>
           </a:p>
@@ -1053,7 +1053,7 @@
           <a:p>
             <a:fld id="{5D6C7379-69CC-4837-9905-BEBA22830C8A}" type="datetimeFigureOut">
               <a:rPr lang="en-US" dirty="0"/>
-              <a:t>3/15/2015</a:t>
+              <a:t>3/17/2015</a:t>
             </a:fld>
             <a:endParaRPr lang="en-US" dirty="0"/>
           </a:p>
@@ -1478,7 +1478,7 @@
           <a:p>
             <a:fld id="{49EB8B7E-8AEE-4F10-BFEE-C999AD004D36}" type="datetimeFigureOut">
               <a:rPr lang="en-US" dirty="0"/>
-              <a:t>3/15/2015</a:t>
+              <a:t>3/17/2015</a:t>
             </a:fld>
             <a:endParaRPr lang="en-US" dirty="0"/>
           </a:p>
@@ -2023,7 +2023,7 @@
           <a:p>
             <a:fld id="{8668F3F9-58BC-440B-B37B-805B9055EF92}" type="datetimeFigureOut">
               <a:rPr lang="en-US" dirty="0"/>
-              <a:t>3/15/2015</a:t>
+              <a:t>3/17/2015</a:t>
             </a:fld>
             <a:endParaRPr lang="en-US" dirty="0"/>
           </a:p>
@@ -2853,7 +2853,7 @@
           <a:p>
             <a:fld id="{0D5A53AF-48EA-489D-8260-9DCAB666386A}" type="datetimeFigureOut">
               <a:rPr lang="en-US" dirty="0"/>
-              <a:t>3/15/2015</a:t>
+              <a:t>3/17/2015</a:t>
             </a:fld>
             <a:endParaRPr lang="en-US" dirty="0"/>
           </a:p>
@@ -3022,7 +3022,7 @@
           <a:p>
             <a:fld id="{0DED02AE-B9A4-47BD-AF8E-97E16144138B}" type="datetimeFigureOut">
               <a:rPr lang="en-US" dirty="0"/>
-              <a:t>3/15/2015</a:t>
+              <a:t>3/17/2015</a:t>
             </a:fld>
             <a:endParaRPr lang="en-US" dirty="0"/>
           </a:p>
@@ -3201,7 +3201,7 @@
           <a:p>
             <a:fld id="{CF0FD78B-DB02-4362-BCDC-98A55456977C}" type="datetimeFigureOut">
               <a:rPr lang="en-US" dirty="0"/>
-              <a:t>3/15/2015</a:t>
+              <a:t>3/17/2015</a:t>
             </a:fld>
             <a:endParaRPr lang="en-US" dirty="0"/>
           </a:p>
@@ -3370,7 +3370,7 @@
           <a:p>
             <a:fld id="{99916976-5D93-46E4-A98A-FAD63E4D0EA8}" type="datetimeFigureOut">
               <a:rPr lang="en-US" dirty="0"/>
-              <a:t>3/15/2015</a:t>
+              <a:t>3/17/2015</a:t>
             </a:fld>
             <a:endParaRPr lang="en-US" dirty="0"/>
           </a:p>
@@ -3626,7 +3626,7 @@
           <a:p>
             <a:fld id="{0F39F4F5-F4D2-4D2A-AB60-88D37ADCB869}" type="datetimeFigureOut">
               <a:rPr lang="en-US" dirty="0"/>
-              <a:t>3/15/2015</a:t>
+              <a:t>3/17/2015</a:t>
             </a:fld>
             <a:endParaRPr lang="en-US" dirty="0"/>
           </a:p>
@@ -3857,7 +3857,7 @@
           <a:p>
             <a:fld id="{D23BC6CE-6D1E-47E5-8859-F31AC5380EB2}" type="datetimeFigureOut">
               <a:rPr lang="en-US" dirty="0"/>
-              <a:t>3/15/2015</a:t>
+              <a:t>3/17/2015</a:t>
             </a:fld>
             <a:endParaRPr lang="en-US" dirty="0"/>
           </a:p>
@@ -4249,7 +4249,7 @@
           <a:p>
             <a:fld id="{B1B4E7C4-4DA4-404D-9965-B13F2DD7D8BF}" type="datetimeFigureOut">
               <a:rPr lang="en-US" dirty="0"/>
-              <a:t>3/15/2015</a:t>
+              <a:t>3/17/2015</a:t>
             </a:fld>
             <a:endParaRPr lang="en-US" dirty="0"/>
           </a:p>
@@ -4366,7 +4366,7 @@
           <a:p>
             <a:fld id="{476FB7AA-4A53-424F-AD41-70827B6504BA}" type="datetimeFigureOut">
               <a:rPr lang="en-US" dirty="0"/>
-              <a:t>3/15/2015</a:t>
+              <a:t>3/17/2015</a:t>
             </a:fld>
             <a:endParaRPr lang="en-US" dirty="0"/>
           </a:p>
@@ -4460,7 +4460,7 @@
           <a:p>
             <a:fld id="{E7884882-FB12-4BC8-9960-9AD8104D7FAE}" type="datetimeFigureOut">
               <a:rPr lang="en-US" dirty="0"/>
-              <a:t>3/15/2015</a:t>
+              <a:t>3/17/2015</a:t>
             </a:fld>
             <a:endParaRPr lang="en-US" dirty="0"/>
           </a:p>
@@ -4732,7 +4732,7 @@
           <a:p>
             <a:fld id="{F7D1BD23-6E54-4D9D-AD88-A2813C73CC25}" type="datetimeFigureOut">
               <a:rPr lang="en-US" dirty="0"/>
-              <a:t>3/15/2015</a:t>
+              <a:t>3/17/2015</a:t>
             </a:fld>
             <a:endParaRPr lang="en-US" dirty="0"/>
           </a:p>
@@ -5012,7 +5012,7 @@
           <a:p>
             <a:fld id="{1471A834-4F3C-4AF9-9C74-05EC35A0F292}" type="datetimeFigureOut">
               <a:rPr lang="en-US" dirty="0"/>
-              <a:t>3/15/2015</a:t>
+              <a:t>3/17/2015</a:t>
             </a:fld>
             <a:endParaRPr lang="en-US" dirty="0"/>
           </a:p>
@@ -5251,7 +5251,7 @@
           <a:p>
             <a:fld id="{51CF1133-3259-4C45-BABA-5B62D9C6F78D}" type="datetimeFigureOut">
               <a:rPr lang="en-US" dirty="0"/>
-              <a:t>3/15/2015</a:t>
+              <a:t>3/17/2015</a:t>
             </a:fld>
             <a:endParaRPr lang="en-US" dirty="0"/>
           </a:p>
@@ -5865,21 +5865,13 @@
           <a:p>
             <a:r>
               <a:rPr lang="en-US" altLang="zh-CN" dirty="0" smtClean="0"/>
-              <a:t>A .NET </a:t>
-            </a:r>
+              <a:t>A .NET based open source </a:t>
+            </a:r>
+          </a:p>
+          <a:p>
             <a:r>
               <a:rPr lang="en-US" altLang="zh-CN" dirty="0" smtClean="0"/>
-              <a:t>based open source </a:t>
-            </a:r>
-          </a:p>
-          <a:p>
-            <a:r>
-              <a:rPr lang="en-US" altLang="zh-CN" dirty="0" smtClean="0"/>
-              <a:t>text/data </a:t>
-            </a:r>
-            <a:r>
-              <a:rPr lang="en-US" altLang="zh-CN" dirty="0" smtClean="0"/>
-              <a:t>extraction framework</a:t>
+              <a:t>text/data extraction framework</a:t>
             </a:r>
             <a:endParaRPr lang="zh-CN" altLang="en-US" dirty="0"/>
           </a:p>
@@ -6252,11 +6244,7 @@
           <a:p>
             <a:r>
               <a:rPr lang="en-US" altLang="zh-CN" dirty="0" smtClean="0"/>
-              <a:t>file type identification via content-type or </a:t>
-            </a:r>
-            <a:r>
-              <a:rPr lang="en-US" altLang="zh-CN" dirty="0" smtClean="0"/>
-              <a:t>streaming</a:t>
+              <a:t>file type identification via content-type or streaming</a:t>
             </a:r>
           </a:p>
           <a:p>
@@ -6264,14 +6252,12 @@
               <a:rPr lang="en-US" altLang="zh-CN" dirty="0" smtClean="0"/>
               <a:t>Convert text to vector for NLP/research purpose</a:t>
             </a:r>
-            <a:endParaRPr lang="en-US" altLang="zh-CN" dirty="0" smtClean="0"/>
           </a:p>
           <a:p>
             <a:r>
               <a:rPr lang="en-US" altLang="zh-CN" dirty="0" smtClean="0"/>
               <a:t>Automatic language identification</a:t>
             </a:r>
-            <a:endParaRPr lang="en-US" altLang="zh-CN" dirty="0" smtClean="0"/>
           </a:p>
           <a:p>
             <a:endParaRPr lang="en-US" altLang="zh-CN" dirty="0"/>
@@ -6514,12 +6500,31 @@
               <a:rPr lang="en-US" altLang="zh-CN" dirty="0" smtClean="0">
                 <a:hlinkClick r:id="rId2"/>
               </a:rPr>
-              <a:t>http://www.neuzilla.com/blog</a:t>
+              <a:t>http</a:t>
+            </a:r>
+            <a:r>
+              <a:rPr lang="en-US" altLang="zh-CN" dirty="0" smtClean="0">
+                <a:hlinkClick r:id="rId2"/>
+              </a:rPr>
+              <a:t>:/</a:t>
+            </a:r>
+            <a:r>
+              <a:rPr lang="en-US" altLang="zh-CN" dirty="0" smtClean="0">
+                <a:hlinkClick r:id="rId2"/>
+              </a:rPr>
+              <a:t>/blog</a:t>
+            </a:r>
+            <a:r>
+              <a:rPr lang="en-US" altLang="zh-CN" dirty="0" smtClean="0">
+                <a:hlinkClick r:id="rId2"/>
+              </a:rPr>
+              <a:t>.neuzilla.com/</a:t>
             </a:r>
             <a:r>
               <a:rPr lang="en-US" altLang="zh-CN" dirty="0" smtClean="0"/>
               <a:t> </a:t>
             </a:r>
+            <a:endParaRPr lang="en-US" altLang="zh-CN" dirty="0" smtClean="0"/>
           </a:p>
           <a:p>
             <a:r>
@@ -6785,11 +6790,7 @@
           <a:p>
             <a:r>
               <a:rPr lang="en-US" altLang="zh-CN" dirty="0" smtClean="0"/>
-              <a:t>Easy to learn and use</a:t>
-            </a:r>
-            <a:r>
-              <a:rPr lang="en-US" altLang="zh-CN" dirty="0" smtClean="0"/>
-              <a:t>.</a:t>
+              <a:t>Easy to learn and use.</a:t>
             </a:r>
           </a:p>
           <a:p>
@@ -6797,7 +6798,6 @@
               <a:rPr lang="en-US" altLang="zh-CN" dirty="0" smtClean="0"/>
               <a:t>Apache 2.0 license – free for commercial use</a:t>
             </a:r>
-            <a:endParaRPr lang="en-US" altLang="zh-CN" dirty="0" smtClean="0"/>
           </a:p>
         </p:txBody>
       </p:sp>
@@ -7089,7 +7089,6 @@
               <a:rPr lang="en-US" altLang="zh-CN" dirty="0" smtClean="0"/>
               <a:t>… (More in the future)</a:t>
             </a:r>
-            <a:endParaRPr lang="en-US" altLang="zh-CN" dirty="0" smtClean="0"/>
           </a:p>
           <a:p>
             <a:endParaRPr lang="zh-CN" altLang="en-US" dirty="0"/>
